--- a/src/main/java/ee/bcs/java/lectures/Loeng27 - Security.pptx
+++ b/src/main/java/ee/bcs/java/lectures/Loeng27 - Security.pptx
@@ -344,7 +344,7 @@
           <a:p>
             <a:fld id="{60163E65-5F46-4A69-883D-966D9827EBBB}" type="datetimeFigureOut">
               <a:rPr lang="en-US" smtClean="0"/>
-              <a:t>12/14/2020</a:t>
+              <a:t>16-Dec-20</a:t>
             </a:fld>
             <a:endParaRPr lang="en-US"/>
           </a:p>
@@ -802,7 +802,7 @@
             <a:fld id="{9B034333-4FC0-4832-B48E-1BB4D6BFA92F}" type="datetimeFigureOut">
               <a:rPr lang="et-EE" smtClean="0"/>
               <a:pPr/>
-              <a:t>14.12.2020</a:t>
+              <a:t>16.12.2020</a:t>
             </a:fld>
             <a:endParaRPr lang="et-EE"/>
           </a:p>
@@ -1021,7 +1021,7 @@
             <a:fld id="{9B034333-4FC0-4832-B48E-1BB4D6BFA92F}" type="datetimeFigureOut">
               <a:rPr lang="et-EE" smtClean="0"/>
               <a:pPr/>
-              <a:t>14.12.2020</a:t>
+              <a:t>16.12.2020</a:t>
             </a:fld>
             <a:endParaRPr lang="et-EE"/>
           </a:p>
@@ -1196,7 +1196,7 @@
             <a:fld id="{9B034333-4FC0-4832-B48E-1BB4D6BFA92F}" type="datetimeFigureOut">
               <a:rPr lang="et-EE" smtClean="0"/>
               <a:pPr/>
-              <a:t>14.12.2020</a:t>
+              <a:t>16.12.2020</a:t>
             </a:fld>
             <a:endParaRPr lang="et-EE"/>
           </a:p>
@@ -1439,7 +1439,7 @@
             <a:fld id="{9B034333-4FC0-4832-B48E-1BB4D6BFA92F}" type="datetimeFigureOut">
               <a:rPr lang="et-EE" smtClean="0"/>
               <a:pPr/>
-              <a:t>14.12.2020</a:t>
+              <a:t>16.12.2020</a:t>
             </a:fld>
             <a:endParaRPr lang="et-EE"/>
           </a:p>
@@ -1736,7 +1736,7 @@
             <a:fld id="{9B034333-4FC0-4832-B48E-1BB4D6BFA92F}" type="datetimeFigureOut">
               <a:rPr lang="et-EE" smtClean="0"/>
               <a:pPr/>
-              <a:t>14.12.2020</a:t>
+              <a:t>16.12.2020</a:t>
             </a:fld>
             <a:endParaRPr lang="et-EE"/>
           </a:p>
@@ -2088,7 +2088,7 @@
             <a:fld id="{9B034333-4FC0-4832-B48E-1BB4D6BFA92F}" type="datetimeFigureOut">
               <a:rPr lang="et-EE" smtClean="0"/>
               <a:pPr/>
-              <a:t>14.12.2020</a:t>
+              <a:t>16.12.2020</a:t>
             </a:fld>
             <a:endParaRPr lang="et-EE"/>
           </a:p>
@@ -2588,7 +2588,7 @@
             <a:fld id="{9B034333-4FC0-4832-B48E-1BB4D6BFA92F}" type="datetimeFigureOut">
               <a:rPr lang="et-EE" smtClean="0"/>
               <a:pPr/>
-              <a:t>14.12.2020</a:t>
+              <a:t>16.12.2020</a:t>
             </a:fld>
             <a:endParaRPr lang="et-EE"/>
           </a:p>
@@ -2702,7 +2702,7 @@
             <a:fld id="{9B034333-4FC0-4832-B48E-1BB4D6BFA92F}" type="datetimeFigureOut">
               <a:rPr lang="et-EE" smtClean="0"/>
               <a:pPr/>
-              <a:t>14.12.2020</a:t>
+              <a:t>16.12.2020</a:t>
             </a:fld>
             <a:endParaRPr lang="et-EE"/>
           </a:p>
@@ -2794,7 +2794,7 @@
             <a:fld id="{9B034333-4FC0-4832-B48E-1BB4D6BFA92F}" type="datetimeFigureOut">
               <a:rPr lang="et-EE" smtClean="0"/>
               <a:pPr/>
-              <a:t>14.12.2020</a:t>
+              <a:t>16.12.2020</a:t>
             </a:fld>
             <a:endParaRPr lang="et-EE"/>
           </a:p>
@@ -3066,7 +3066,7 @@
             <a:fld id="{9B034333-4FC0-4832-B48E-1BB4D6BFA92F}" type="datetimeFigureOut">
               <a:rPr lang="et-EE" smtClean="0"/>
               <a:pPr/>
-              <a:t>14.12.2020</a:t>
+              <a:t>16.12.2020</a:t>
             </a:fld>
             <a:endParaRPr lang="et-EE"/>
           </a:p>
@@ -3318,7 +3318,7 @@
             <a:fld id="{9B034333-4FC0-4832-B48E-1BB4D6BFA92F}" type="datetimeFigureOut">
               <a:rPr lang="et-EE" smtClean="0"/>
               <a:pPr/>
-              <a:t>14.12.2020</a:t>
+              <a:t>16.12.2020</a:t>
             </a:fld>
             <a:endParaRPr lang="et-EE"/>
           </a:p>
@@ -3527,7 +3527,7 @@
             <a:fld id="{9B034333-4FC0-4832-B48E-1BB4D6BFA92F}" type="datetimeFigureOut">
               <a:rPr lang="et-EE" smtClean="0"/>
               <a:pPr/>
-              <a:t>14.12.2020</a:t>
+              <a:t>16.12.2020</a:t>
             </a:fld>
             <a:endParaRPr lang="et-EE"/>
           </a:p>
@@ -3994,7 +3994,7 @@
         </p:nvSpPr>
         <p:spPr>
           <a:xfrm>
-            <a:off x="450376" y="1052736"/>
+            <a:off x="467085" y="97681"/>
             <a:ext cx="8229600" cy="757982"/>
           </a:xfrm>
         </p:spPr>
@@ -4094,7 +4094,7 @@
         </p:blipFill>
         <p:spPr>
           <a:xfrm>
-            <a:off x="485715" y="2204864"/>
+            <a:off x="421861" y="855663"/>
             <a:ext cx="7436169" cy="2664296"/>
           </a:xfrm>
           <a:prstGeom prst="rect">
@@ -4102,6 +4102,929 @@
           </a:prstGeom>
         </p:spPr>
       </p:pic>
+      <p:sp>
+        <p:nvSpPr>
+          <p:cNvPr id="4" name="TextBox 3">
+            <a:extLst>
+              <a:ext uri="{FF2B5EF4-FFF2-40B4-BE49-F238E27FC236}">
+                <a16:creationId xmlns:a16="http://schemas.microsoft.com/office/drawing/2014/main" id="{5C1F5D72-3C8B-4BAD-98F1-73AFF7D762C4}"/>
+              </a:ext>
+            </a:extLst>
+          </p:cNvPr>
+          <p:cNvSpPr txBox="1"/>
+          <p:nvPr/>
+        </p:nvSpPr>
+        <p:spPr>
+          <a:xfrm>
+            <a:off x="251520" y="3645024"/>
+            <a:ext cx="7974717" cy="5298502"/>
+          </a:xfrm>
+          <a:prstGeom prst="rect">
+            <a:avLst/>
+          </a:prstGeom>
+          <a:noFill/>
+        </p:spPr>
+        <p:txBody>
+          <a:bodyPr wrap="square" rtlCol="0">
+            <a:spAutoFit/>
+          </a:bodyPr>
+          <a:lstStyle/>
+          <a:p>
+            <a:r>
+              <a:rPr lang="ru-RU" sz="1200" dirty="0">
+                <a:latin typeface="Times New Roman" panose="02020603050405020304" pitchFamily="18" charset="0"/>
+                <a:cs typeface="Times New Roman" panose="02020603050405020304" pitchFamily="18" charset="0"/>
+              </a:rPr>
+              <a:t>Серверу надо знать, что он сейчас на связи с тем же человеком, который только что вводил свой </a:t>
+            </a:r>
+            <a:r>
+              <a:rPr lang="ru-RU" sz="1200" dirty="0" err="1">
+                <a:latin typeface="Times New Roman" panose="02020603050405020304" pitchFamily="18" charset="0"/>
+                <a:cs typeface="Times New Roman" panose="02020603050405020304" pitchFamily="18" charset="0"/>
+              </a:rPr>
+              <a:t>логин+пароль</a:t>
+            </a:r>
+            <a:r>
+              <a:rPr lang="ru-RU" sz="1200" dirty="0">
+                <a:latin typeface="Times New Roman" panose="02020603050405020304" pitchFamily="18" charset="0"/>
+                <a:cs typeface="Times New Roman" panose="02020603050405020304" pitchFamily="18" charset="0"/>
+              </a:rPr>
+              <a:t>.</a:t>
+            </a:r>
+          </a:p>
+          <a:p>
+            <a:pPr marL="449580" marR="0" indent="-449580">
+              <a:lnSpc>
+                <a:spcPct val="107000"/>
+              </a:lnSpc>
+              <a:spcBef>
+                <a:spcPts val="0"/>
+              </a:spcBef>
+              <a:spcAft>
+                <a:spcPts val="0"/>
+              </a:spcAft>
+            </a:pPr>
+            <a:r>
+              <a:rPr lang="ru-RU" sz="1200" dirty="0">
+                <a:effectLst/>
+                <a:latin typeface="Times New Roman" panose="02020603050405020304" pitchFamily="18" charset="0"/>
+                <a:ea typeface="Calibri" panose="020F0502020204030204" pitchFamily="34" charset="0"/>
+                <a:cs typeface="Times New Roman" panose="02020603050405020304" pitchFamily="18" charset="0"/>
+              </a:rPr>
+              <a:t>Куки </a:t>
+            </a:r>
+            <a:r>
+              <a:rPr lang="en-US" sz="1200" dirty="0">
+                <a:effectLst/>
+                <a:latin typeface="Times New Roman" panose="02020603050405020304" pitchFamily="18" charset="0"/>
+                <a:ea typeface="Calibri" panose="020F0502020204030204" pitchFamily="34" charset="0"/>
+                <a:cs typeface="Times New Roman" panose="02020603050405020304" pitchFamily="18" charset="0"/>
+              </a:rPr>
+              <a:t>cookies</a:t>
+            </a:r>
+            <a:r>
+              <a:rPr lang="ru-RU" sz="1200" dirty="0">
+                <a:effectLst/>
+                <a:latin typeface="Times New Roman" panose="02020603050405020304" pitchFamily="18" charset="0"/>
+                <a:ea typeface="Calibri" panose="020F0502020204030204" pitchFamily="34" charset="0"/>
+                <a:cs typeface="Times New Roman" panose="02020603050405020304" pitchFamily="18" charset="0"/>
+              </a:rPr>
+              <a:t> – данные</a:t>
+            </a:r>
+            <a:r>
+              <a:rPr lang="en-US" sz="1200" dirty="0">
+                <a:latin typeface="Times New Roman" panose="02020603050405020304" pitchFamily="18" charset="0"/>
+                <a:ea typeface="Calibri" panose="020F0502020204030204" pitchFamily="34" charset="0"/>
+                <a:cs typeface="Times New Roman" panose="02020603050405020304" pitchFamily="18" charset="0"/>
+              </a:rPr>
+              <a:t>,</a:t>
+            </a:r>
+            <a:r>
+              <a:rPr lang="ru-RU" sz="1200" dirty="0">
+                <a:effectLst/>
+                <a:latin typeface="Times New Roman" panose="02020603050405020304" pitchFamily="18" charset="0"/>
+                <a:ea typeface="Calibri" panose="020F0502020204030204" pitchFamily="34" charset="0"/>
+                <a:cs typeface="Times New Roman" panose="02020603050405020304" pitchFamily="18" charset="0"/>
+              </a:rPr>
+              <a:t> которые сохраняет сервер/браузер специфично к домену</a:t>
+            </a:r>
+            <a:r>
+              <a:rPr lang="en-US" sz="1200" dirty="0">
+                <a:latin typeface="Times New Roman" panose="02020603050405020304" pitchFamily="18" charset="0"/>
+                <a:ea typeface="Calibri" panose="020F0502020204030204" pitchFamily="34" charset="0"/>
+                <a:cs typeface="Times New Roman" panose="02020603050405020304" pitchFamily="18" charset="0"/>
+              </a:rPr>
+              <a:t>. </a:t>
+            </a:r>
+            <a:r>
+              <a:rPr lang="ru-RU" sz="1200" dirty="0">
+                <a:effectLst/>
+                <a:latin typeface="Times New Roman" panose="02020603050405020304" pitchFamily="18" charset="0"/>
+                <a:ea typeface="Calibri" panose="020F0502020204030204" pitchFamily="34" charset="0"/>
+                <a:cs typeface="Times New Roman" panose="02020603050405020304" pitchFamily="18" charset="0"/>
+              </a:rPr>
+              <a:t>Только с того же домена можешь</a:t>
+            </a:r>
+            <a:r>
+              <a:rPr lang="en-US" sz="1200" dirty="0">
+                <a:effectLst/>
+                <a:latin typeface="Times New Roman" panose="02020603050405020304" pitchFamily="18" charset="0"/>
+                <a:ea typeface="Calibri" panose="020F0502020204030204" pitchFamily="34" charset="0"/>
+                <a:cs typeface="Times New Roman" panose="02020603050405020304" pitchFamily="18" charset="0"/>
+              </a:rPr>
+              <a:t> </a:t>
+            </a:r>
+            <a:r>
+              <a:rPr lang="ru-RU" sz="1200" dirty="0">
+                <a:effectLst/>
+                <a:latin typeface="Times New Roman" panose="02020603050405020304" pitchFamily="18" charset="0"/>
+                <a:ea typeface="Calibri" panose="020F0502020204030204" pitchFamily="34" charset="0"/>
+                <a:cs typeface="Times New Roman" panose="02020603050405020304" pitchFamily="18" charset="0"/>
+              </a:rPr>
+              <a:t>получить доступ к тем же </a:t>
+            </a:r>
+            <a:r>
+              <a:rPr lang="ru-RU" sz="1200" dirty="0" err="1">
+                <a:effectLst/>
+                <a:latin typeface="Times New Roman" panose="02020603050405020304" pitchFamily="18" charset="0"/>
+                <a:ea typeface="Calibri" panose="020F0502020204030204" pitchFamily="34" charset="0"/>
+                <a:cs typeface="Times New Roman" panose="02020603050405020304" pitchFamily="18" charset="0"/>
+              </a:rPr>
+              <a:t>кукам</a:t>
+            </a:r>
+            <a:r>
+              <a:rPr lang="ru-RU" sz="1200" dirty="0">
+                <a:latin typeface="Times New Roman" panose="02020603050405020304" pitchFamily="18" charset="0"/>
+                <a:ea typeface="Calibri" panose="020F0502020204030204" pitchFamily="34" charset="0"/>
+                <a:cs typeface="Times New Roman" panose="02020603050405020304" pitchFamily="18" charset="0"/>
+              </a:rPr>
+              <a:t>.</a:t>
+            </a:r>
+          </a:p>
+          <a:p>
+            <a:pPr marL="449580" marR="0" indent="-449580">
+              <a:lnSpc>
+                <a:spcPct val="107000"/>
+              </a:lnSpc>
+              <a:spcBef>
+                <a:spcPts val="0"/>
+              </a:spcBef>
+              <a:spcAft>
+                <a:spcPts val="0"/>
+              </a:spcAft>
+            </a:pPr>
+            <a:endParaRPr lang="ru-RU" sz="1200" dirty="0">
+              <a:latin typeface="Times New Roman" panose="02020603050405020304" pitchFamily="18" charset="0"/>
+              <a:cs typeface="Times New Roman" panose="02020603050405020304" pitchFamily="18" charset="0"/>
+            </a:endParaRPr>
+          </a:p>
+          <a:p>
+            <a:r>
+              <a:rPr lang="ru-RU" sz="1200" dirty="0">
+                <a:latin typeface="Times New Roman" panose="02020603050405020304" pitchFamily="18" charset="0"/>
+                <a:cs typeface="Times New Roman" panose="02020603050405020304" pitchFamily="18" charset="0"/>
+              </a:rPr>
+              <a:t>Простой способ авторизации – на основе сессии: браузер при отправке запроса каждый раз отправляет ВСЕ </a:t>
+            </a:r>
+            <a:r>
+              <a:rPr lang="ru-RU" sz="1200" dirty="0" err="1">
+                <a:latin typeface="Times New Roman" panose="02020603050405020304" pitchFamily="18" charset="0"/>
+                <a:cs typeface="Times New Roman" panose="02020603050405020304" pitchFamily="18" charset="0"/>
+              </a:rPr>
+              <a:t>куки</a:t>
+            </a:r>
+            <a:r>
+              <a:rPr lang="ru-RU" sz="1200" dirty="0">
+                <a:latin typeface="Times New Roman" panose="02020603050405020304" pitchFamily="18" charset="0"/>
+                <a:cs typeface="Times New Roman" panose="02020603050405020304" pitchFamily="18" charset="0"/>
+              </a:rPr>
+              <a:t> (</a:t>
+            </a:r>
+            <a:r>
+              <a:rPr lang="ru-RU" sz="1200" dirty="0">
+                <a:effectLst/>
+                <a:latin typeface="Times New Roman" panose="02020603050405020304" pitchFamily="18" charset="0"/>
+                <a:ea typeface="Calibri" panose="020F0502020204030204" pitchFamily="34" charset="0"/>
+                <a:cs typeface="Times New Roman" panose="02020603050405020304" pitchFamily="18" charset="0"/>
+              </a:rPr>
+              <a:t>так обеспечивается безопасность</a:t>
+            </a:r>
+            <a:r>
+              <a:rPr lang="ru-RU" sz="1200" dirty="0">
+                <a:latin typeface="Times New Roman" panose="02020603050405020304" pitchFamily="18" charset="0"/>
+                <a:cs typeface="Times New Roman" panose="02020603050405020304" pitchFamily="18" charset="0"/>
+              </a:rPr>
+              <a:t>), в </a:t>
+            </a:r>
+            <a:r>
+              <a:rPr lang="ru-RU" sz="1200" dirty="0" err="1">
+                <a:latin typeface="Times New Roman" panose="02020603050405020304" pitchFamily="18" charset="0"/>
+                <a:cs typeface="Times New Roman" panose="02020603050405020304" pitchFamily="18" charset="0"/>
+              </a:rPr>
+              <a:t>куках</a:t>
+            </a:r>
+            <a:r>
+              <a:rPr lang="ru-RU" sz="1200" dirty="0">
+                <a:latin typeface="Times New Roman" panose="02020603050405020304" pitchFamily="18" charset="0"/>
+                <a:cs typeface="Times New Roman" panose="02020603050405020304" pitchFamily="18" charset="0"/>
+              </a:rPr>
+              <a:t> есть </a:t>
+            </a:r>
+            <a:r>
+              <a:rPr lang="en-US" sz="1200" dirty="0">
+                <a:latin typeface="Times New Roman" panose="02020603050405020304" pitchFamily="18" charset="0"/>
+                <a:cs typeface="Times New Roman" panose="02020603050405020304" pitchFamily="18" charset="0"/>
+              </a:rPr>
+              <a:t>JSESSION_ID – </a:t>
+            </a:r>
+            <a:r>
+              <a:rPr lang="ru-RU" sz="1200" dirty="0">
+                <a:latin typeface="Times New Roman" panose="02020603050405020304" pitchFamily="18" charset="0"/>
+                <a:cs typeface="Times New Roman" panose="02020603050405020304" pitchFamily="18" charset="0"/>
+              </a:rPr>
+              <a:t>он не меняется от логина до логаута.</a:t>
+            </a:r>
+          </a:p>
+          <a:p>
+            <a:endParaRPr lang="ru-RU" sz="1200" dirty="0">
+              <a:latin typeface="Times New Roman" panose="02020603050405020304" pitchFamily="18" charset="0"/>
+              <a:cs typeface="Times New Roman" panose="02020603050405020304" pitchFamily="18" charset="0"/>
+            </a:endParaRPr>
+          </a:p>
+          <a:p>
+            <a:r>
+              <a:rPr lang="ru-RU" sz="1200" dirty="0">
+                <a:effectLst/>
+                <a:latin typeface="Times New Roman" panose="02020603050405020304" pitchFamily="18" charset="0"/>
+                <a:ea typeface="Calibri" panose="020F0502020204030204" pitchFamily="34" charset="0"/>
+                <a:cs typeface="Times New Roman" panose="02020603050405020304" pitchFamily="18" charset="0"/>
+              </a:rPr>
+              <a:t>Браузер посылает </a:t>
+            </a:r>
+            <a:r>
+              <a:rPr lang="ru-RU" sz="1200" dirty="0" err="1">
+                <a:effectLst/>
+                <a:latin typeface="Times New Roman" panose="02020603050405020304" pitchFamily="18" charset="0"/>
+                <a:ea typeface="Calibri" panose="020F0502020204030204" pitchFamily="34" charset="0"/>
+                <a:cs typeface="Times New Roman" panose="02020603050405020304" pitchFamily="18" charset="0"/>
+              </a:rPr>
+              <a:t>логин+пароль</a:t>
+            </a:r>
+            <a:r>
+              <a:rPr lang="ru-RU" sz="1200" dirty="0">
+                <a:effectLst/>
+                <a:latin typeface="Times New Roman" panose="02020603050405020304" pitchFamily="18" charset="0"/>
+                <a:ea typeface="Calibri" panose="020F0502020204030204" pitchFamily="34" charset="0"/>
+                <a:cs typeface="Times New Roman" panose="02020603050405020304" pitchFamily="18" charset="0"/>
+              </a:rPr>
+              <a:t> – логин и пароль сохраняются в базе данных обычным/</a:t>
+            </a:r>
+            <a:r>
+              <a:rPr lang="en-US" sz="1200" dirty="0">
+                <a:effectLst/>
+                <a:latin typeface="Times New Roman" panose="02020603050405020304" pitchFamily="18" charset="0"/>
+                <a:ea typeface="Calibri" panose="020F0502020204030204" pitchFamily="34" charset="0"/>
+                <a:cs typeface="Times New Roman" panose="02020603050405020304" pitchFamily="18" charset="0"/>
+              </a:rPr>
+              <a:t>plain</a:t>
+            </a:r>
+            <a:r>
+              <a:rPr lang="ru-RU" sz="1200" dirty="0">
+                <a:effectLst/>
+                <a:latin typeface="Times New Roman" panose="02020603050405020304" pitchFamily="18" charset="0"/>
+                <a:ea typeface="Calibri" panose="020F0502020204030204" pitchFamily="34" charset="0"/>
+                <a:cs typeface="Times New Roman" panose="02020603050405020304" pitchFamily="18" charset="0"/>
+              </a:rPr>
+              <a:t> текстом (так было раньше) – пароли видно админу/хакеру.</a:t>
+            </a:r>
+          </a:p>
+          <a:p>
+            <a:endParaRPr lang="ru-RU" sz="1200" dirty="0">
+              <a:latin typeface="Times New Roman" panose="02020603050405020304" pitchFamily="18" charset="0"/>
+              <a:ea typeface="Calibri" panose="020F0502020204030204" pitchFamily="34" charset="0"/>
+              <a:cs typeface="Times New Roman" panose="02020603050405020304" pitchFamily="18" charset="0"/>
+            </a:endParaRPr>
+          </a:p>
+          <a:p>
+            <a:pPr marL="449580" marR="0" indent="-449580">
+              <a:lnSpc>
+                <a:spcPct val="107000"/>
+              </a:lnSpc>
+              <a:spcBef>
+                <a:spcPts val="0"/>
+              </a:spcBef>
+              <a:spcAft>
+                <a:spcPts val="0"/>
+              </a:spcAft>
+            </a:pPr>
+            <a:r>
+              <a:rPr lang="ru-RU" sz="1200" dirty="0">
+                <a:effectLst/>
+                <a:latin typeface="Times New Roman" panose="02020603050405020304" pitchFamily="18" charset="0"/>
+                <a:ea typeface="Calibri" panose="020F0502020204030204" pitchFamily="34" charset="0"/>
+                <a:cs typeface="Times New Roman" panose="02020603050405020304" pitchFamily="18" charset="0"/>
+              </a:rPr>
+              <a:t>Пароль надо </a:t>
+            </a:r>
+            <a:r>
+              <a:rPr lang="en-US" sz="1200" dirty="0">
+                <a:effectLst/>
+                <a:latin typeface="Times New Roman" panose="02020603050405020304" pitchFamily="18" charset="0"/>
+                <a:ea typeface="Calibri" panose="020F0502020204030204" pitchFamily="34" charset="0"/>
+                <a:cs typeface="Times New Roman" panose="02020603050405020304" pitchFamily="18" charset="0"/>
+              </a:rPr>
+              <a:t>r</a:t>
+            </a:r>
+            <a:r>
+              <a:rPr lang="ru-RU" sz="1200" dirty="0">
+                <a:effectLst/>
+                <a:latin typeface="Times New Roman" panose="02020603050405020304" pitchFamily="18" charset="0"/>
+                <a:ea typeface="Calibri" panose="020F0502020204030204" pitchFamily="34" charset="0"/>
+                <a:cs typeface="Times New Roman" panose="02020603050405020304" pitchFamily="18" charset="0"/>
+              </a:rPr>
+              <a:t>ä</a:t>
+            </a:r>
+            <a:r>
+              <a:rPr lang="en-US" sz="1200" dirty="0" err="1">
+                <a:effectLst/>
+                <a:latin typeface="Times New Roman" panose="02020603050405020304" pitchFamily="18" charset="0"/>
+                <a:ea typeface="Calibri" panose="020F0502020204030204" pitchFamily="34" charset="0"/>
+                <a:cs typeface="Times New Roman" panose="02020603050405020304" pitchFamily="18" charset="0"/>
+              </a:rPr>
+              <a:t>si</a:t>
+            </a:r>
+            <a:r>
+              <a:rPr lang="ru-RU" sz="1200" dirty="0">
+                <a:effectLst/>
+                <a:latin typeface="Times New Roman" panose="02020603050405020304" pitchFamily="18" charset="0"/>
+                <a:ea typeface="Calibri" panose="020F0502020204030204" pitchFamily="34" charset="0"/>
+                <a:cs typeface="Times New Roman" panose="02020603050405020304" pitchFamily="18" charset="0"/>
+              </a:rPr>
+              <a:t> – </a:t>
+            </a:r>
+            <a:r>
+              <a:rPr lang="en-US" sz="1200" dirty="0">
+                <a:effectLst/>
+                <a:latin typeface="Times New Roman" panose="02020603050405020304" pitchFamily="18" charset="0"/>
+                <a:ea typeface="Calibri" panose="020F0502020204030204" pitchFamily="34" charset="0"/>
+                <a:cs typeface="Times New Roman" panose="02020603050405020304" pitchFamily="18" charset="0"/>
+              </a:rPr>
+              <a:t>hashing</a:t>
+            </a:r>
+            <a:r>
+              <a:rPr lang="ru-RU" sz="1200" dirty="0">
+                <a:effectLst/>
+                <a:latin typeface="Times New Roman" panose="02020603050405020304" pitchFamily="18" charset="0"/>
+                <a:ea typeface="Calibri" panose="020F0502020204030204" pitchFamily="34" charset="0"/>
+                <a:cs typeface="Times New Roman" panose="02020603050405020304" pitchFamily="18" charset="0"/>
+              </a:rPr>
+              <a:t> – даже для похожих слов абсолютно РАЗНЫЕ коды</a:t>
+            </a:r>
+            <a:r>
+              <a:rPr lang="en-US" sz="1200" dirty="0">
+                <a:latin typeface="Times New Roman" panose="02020603050405020304" pitchFamily="18" charset="0"/>
+                <a:ea typeface="Calibri" panose="020F0502020204030204" pitchFamily="34" charset="0"/>
+                <a:cs typeface="Times New Roman" panose="02020603050405020304" pitchFamily="18" charset="0"/>
+              </a:rPr>
+              <a:t>.</a:t>
+            </a:r>
+            <a:endParaRPr lang="ru-RU" sz="1200" dirty="0">
+              <a:effectLst/>
+              <a:latin typeface="Times New Roman" panose="02020603050405020304" pitchFamily="18" charset="0"/>
+              <a:ea typeface="Calibri" panose="020F0502020204030204" pitchFamily="34" charset="0"/>
+              <a:cs typeface="Times New Roman" panose="02020603050405020304" pitchFamily="18" charset="0"/>
+            </a:endParaRPr>
+          </a:p>
+          <a:p>
+            <a:pPr marL="449580" marR="0" indent="-449580">
+              <a:lnSpc>
+                <a:spcPct val="107000"/>
+              </a:lnSpc>
+              <a:spcBef>
+                <a:spcPts val="0"/>
+              </a:spcBef>
+              <a:spcAft>
+                <a:spcPts val="0"/>
+              </a:spcAft>
+            </a:pPr>
+            <a:r>
+              <a:rPr lang="ru-RU" sz="1200" dirty="0">
+                <a:effectLst/>
+                <a:latin typeface="Times New Roman" panose="02020603050405020304" pitchFamily="18" charset="0"/>
+                <a:ea typeface="Calibri" panose="020F0502020204030204" pitchFamily="34" charset="0"/>
+                <a:cs typeface="Times New Roman" panose="02020603050405020304" pitchFamily="18" charset="0"/>
+              </a:rPr>
+              <a:t>У хеширования односторонние алгоритмы (из полученного кода нельзя получить пароль опять, но из пароли получается одинаковый код) – в базу данных сохраняется </a:t>
+            </a:r>
+            <a:r>
+              <a:rPr lang="en-US" sz="1200" dirty="0" err="1">
+                <a:effectLst/>
+                <a:latin typeface="Times New Roman" panose="02020603050405020304" pitchFamily="18" charset="0"/>
+                <a:ea typeface="Calibri" panose="020F0502020204030204" pitchFamily="34" charset="0"/>
+                <a:cs typeface="Times New Roman" panose="02020603050405020304" pitchFamily="18" charset="0"/>
+              </a:rPr>
+              <a:t>räsiväärtus</a:t>
+            </a:r>
+            <a:r>
+              <a:rPr lang="en-US" sz="1200" dirty="0">
+                <a:effectLst/>
+                <a:latin typeface="Times New Roman" panose="02020603050405020304" pitchFamily="18" charset="0"/>
+                <a:ea typeface="Calibri" panose="020F0502020204030204" pitchFamily="34" charset="0"/>
+                <a:cs typeface="Times New Roman" panose="02020603050405020304" pitchFamily="18" charset="0"/>
+              </a:rPr>
+              <a:t>.</a:t>
+            </a:r>
+            <a:endParaRPr lang="ru-RU" sz="1200" dirty="0">
+              <a:effectLst/>
+              <a:latin typeface="Times New Roman" panose="02020603050405020304" pitchFamily="18" charset="0"/>
+              <a:ea typeface="Calibri" panose="020F0502020204030204" pitchFamily="34" charset="0"/>
+              <a:cs typeface="Times New Roman" panose="02020603050405020304" pitchFamily="18" charset="0"/>
+            </a:endParaRPr>
+          </a:p>
+          <a:p>
+            <a:pPr marL="449580" marR="0" indent="-449580">
+              <a:lnSpc>
+                <a:spcPct val="107000"/>
+              </a:lnSpc>
+              <a:spcBef>
+                <a:spcPts val="0"/>
+              </a:spcBef>
+              <a:spcAft>
+                <a:spcPts val="0"/>
+              </a:spcAft>
+            </a:pPr>
+            <a:r>
+              <a:rPr lang="ru-RU" sz="1200" dirty="0">
+                <a:effectLst/>
+                <a:latin typeface="Times New Roman" panose="02020603050405020304" pitchFamily="18" charset="0"/>
+                <a:ea typeface="Calibri" panose="020F0502020204030204" pitchFamily="34" charset="0"/>
+                <a:cs typeface="Times New Roman" panose="02020603050405020304" pitchFamily="18" charset="0"/>
+              </a:rPr>
+              <a:t>На сервере при логине сравниваются </a:t>
+            </a:r>
+            <a:r>
+              <a:rPr lang="en-US" sz="1200" dirty="0" err="1">
+                <a:effectLst/>
+                <a:latin typeface="Times New Roman" panose="02020603050405020304" pitchFamily="18" charset="0"/>
+                <a:ea typeface="Calibri" panose="020F0502020204030204" pitchFamily="34" charset="0"/>
+                <a:cs typeface="Times New Roman" panose="02020603050405020304" pitchFamily="18" charset="0"/>
+              </a:rPr>
+              <a:t>räsi</a:t>
+            </a:r>
+            <a:r>
+              <a:rPr lang="ru-RU" sz="1200" dirty="0">
+                <a:effectLst/>
+                <a:latin typeface="Times New Roman" panose="02020603050405020304" pitchFamily="18" charset="0"/>
+                <a:ea typeface="Calibri" panose="020F0502020204030204" pitchFamily="34" charset="0"/>
+                <a:cs typeface="Times New Roman" panose="02020603050405020304" pitchFamily="18" charset="0"/>
+              </a:rPr>
+              <a:t>, не оригинальные пароли</a:t>
+            </a:r>
+          </a:p>
+          <a:p>
+            <a:pPr marL="449580" marR="0" indent="-449580">
+              <a:lnSpc>
+                <a:spcPct val="107000"/>
+              </a:lnSpc>
+              <a:spcBef>
+                <a:spcPts val="0"/>
+              </a:spcBef>
+              <a:spcAft>
+                <a:spcPts val="0"/>
+              </a:spcAft>
+            </a:pPr>
+            <a:r>
+              <a:rPr lang="ru-RU" sz="1200" dirty="0">
+                <a:effectLst/>
+                <a:latin typeface="Times New Roman" panose="02020603050405020304" pitchFamily="18" charset="0"/>
+                <a:ea typeface="Calibri" panose="020F0502020204030204" pitchFamily="34" charset="0"/>
+                <a:cs typeface="Times New Roman" panose="02020603050405020304" pitchFamily="18" charset="0"/>
+              </a:rPr>
+              <a:t> </a:t>
+            </a:r>
+          </a:p>
+          <a:p>
+            <a:pPr marL="449580" marR="0" indent="-449580">
+              <a:lnSpc>
+                <a:spcPct val="107000"/>
+              </a:lnSpc>
+              <a:spcBef>
+                <a:spcPts val="0"/>
+              </a:spcBef>
+              <a:spcAft>
+                <a:spcPts val="0"/>
+              </a:spcAft>
+            </a:pPr>
+            <a:r>
+              <a:rPr lang="ru-RU" sz="1200" dirty="0">
+                <a:effectLst/>
+                <a:latin typeface="Times New Roman" panose="02020603050405020304" pitchFamily="18" charset="0"/>
+                <a:ea typeface="Calibri" panose="020F0502020204030204" pitchFamily="34" charset="0"/>
+                <a:cs typeface="Times New Roman" panose="02020603050405020304" pitchFamily="18" charset="0"/>
+              </a:rPr>
+              <a:t>Если пароли утекли: у разных пользователей может быть == пароль -&gt; ==</a:t>
+            </a:r>
+            <a:r>
+              <a:rPr lang="ru-RU" sz="1200" dirty="0" err="1">
+                <a:effectLst/>
+                <a:latin typeface="Times New Roman" panose="02020603050405020304" pitchFamily="18" charset="0"/>
+                <a:ea typeface="Calibri" panose="020F0502020204030204" pitchFamily="34" charset="0"/>
+                <a:cs typeface="Times New Roman" panose="02020603050405020304" pitchFamily="18" charset="0"/>
+              </a:rPr>
+              <a:t>ряси</a:t>
+            </a:r>
+            <a:r>
+              <a:rPr lang="ru-RU" sz="1200" dirty="0">
+                <a:effectLst/>
+                <a:latin typeface="Times New Roman" panose="02020603050405020304" pitchFamily="18" charset="0"/>
+                <a:ea typeface="Calibri" panose="020F0502020204030204" pitchFamily="34" charset="0"/>
+                <a:cs typeface="Times New Roman" panose="02020603050405020304" pitchFamily="18" charset="0"/>
+              </a:rPr>
+              <a:t> </a:t>
+            </a:r>
+            <a:r>
+              <a:rPr lang="ru-RU" sz="1200" dirty="0" err="1">
+                <a:effectLst/>
+                <a:latin typeface="Times New Roman" panose="02020603050405020304" pitchFamily="18" charset="0"/>
+                <a:ea typeface="Calibri" panose="020F0502020204030204" pitchFamily="34" charset="0"/>
+                <a:cs typeface="Times New Roman" panose="02020603050405020304" pitchFamily="18" charset="0"/>
+              </a:rPr>
+              <a:t>вяяртусед</a:t>
+            </a:r>
+            <a:r>
+              <a:rPr lang="ru-RU" sz="1200" dirty="0">
+                <a:effectLst/>
+                <a:latin typeface="Times New Roman" panose="02020603050405020304" pitchFamily="18" charset="0"/>
+                <a:ea typeface="Calibri" panose="020F0502020204030204" pitchFamily="34" charset="0"/>
+                <a:cs typeface="Times New Roman" panose="02020603050405020304" pitchFamily="18" charset="0"/>
+              </a:rPr>
+              <a:t> – к </a:t>
+            </a:r>
+            <a:r>
+              <a:rPr lang="ru-RU" sz="1200" dirty="0" err="1">
+                <a:effectLst/>
+                <a:latin typeface="Times New Roman" panose="02020603050405020304" pitchFamily="18" charset="0"/>
+                <a:ea typeface="Calibri" panose="020F0502020204030204" pitchFamily="34" charset="0"/>
+                <a:cs typeface="Times New Roman" panose="02020603050405020304" pitchFamily="18" charset="0"/>
+              </a:rPr>
+              <a:t>ряси</a:t>
+            </a:r>
+            <a:r>
+              <a:rPr lang="ru-RU" sz="1200" dirty="0">
+                <a:effectLst/>
+                <a:latin typeface="Times New Roman" panose="02020603050405020304" pitchFamily="18" charset="0"/>
+                <a:ea typeface="Calibri" panose="020F0502020204030204" pitchFamily="34" charset="0"/>
+                <a:cs typeface="Times New Roman" panose="02020603050405020304" pitchFamily="18" charset="0"/>
+              </a:rPr>
+              <a:t> добавляют ч-л уникальное</a:t>
+            </a:r>
+          </a:p>
+          <a:p>
+            <a:pPr marL="449580" marR="0" indent="-449580">
+              <a:lnSpc>
+                <a:spcPct val="107000"/>
+              </a:lnSpc>
+              <a:spcBef>
+                <a:spcPts val="0"/>
+              </a:spcBef>
+              <a:spcAft>
+                <a:spcPts val="0"/>
+              </a:spcAft>
+            </a:pPr>
+            <a:r>
+              <a:rPr lang="ru-RU" sz="1200" dirty="0">
+                <a:effectLst/>
+                <a:latin typeface="Times New Roman" panose="02020603050405020304" pitchFamily="18" charset="0"/>
+                <a:ea typeface="Calibri" panose="020F0502020204030204" pitchFamily="34" charset="0"/>
+                <a:cs typeface="Times New Roman" panose="02020603050405020304" pitchFamily="18" charset="0"/>
+              </a:rPr>
+              <a:t> </a:t>
+            </a:r>
+          </a:p>
+          <a:p>
+            <a:pPr marL="449580" marR="0" indent="-449580">
+              <a:lnSpc>
+                <a:spcPct val="107000"/>
+              </a:lnSpc>
+              <a:spcBef>
+                <a:spcPts val="0"/>
+              </a:spcBef>
+              <a:spcAft>
+                <a:spcPts val="0"/>
+              </a:spcAft>
+            </a:pPr>
+            <a:r>
+              <a:rPr lang="en-US" sz="1200" dirty="0">
+                <a:effectLst/>
+                <a:latin typeface="Times New Roman" panose="02020603050405020304" pitchFamily="18" charset="0"/>
+                <a:ea typeface="Calibri" panose="020F0502020204030204" pitchFamily="34" charset="0"/>
+                <a:cs typeface="Times New Roman" panose="02020603050405020304" pitchFamily="18" charset="0"/>
+              </a:rPr>
+              <a:t>PHP</a:t>
+            </a:r>
+            <a:r>
+              <a:rPr lang="ru-RU" sz="1200" dirty="0">
+                <a:effectLst/>
+                <a:latin typeface="Times New Roman" panose="02020603050405020304" pitchFamily="18" charset="0"/>
+                <a:ea typeface="Calibri" panose="020F0502020204030204" pitchFamily="34" charset="0"/>
+                <a:cs typeface="Times New Roman" panose="02020603050405020304" pitchFamily="18" charset="0"/>
+              </a:rPr>
+              <a:t>, .</a:t>
+            </a:r>
+            <a:r>
+              <a:rPr lang="en-US" sz="1200" dirty="0">
+                <a:effectLst/>
+                <a:latin typeface="Times New Roman" panose="02020603050405020304" pitchFamily="18" charset="0"/>
+                <a:ea typeface="Calibri" panose="020F0502020204030204" pitchFamily="34" charset="0"/>
+                <a:cs typeface="Times New Roman" panose="02020603050405020304" pitchFamily="18" charset="0"/>
+              </a:rPr>
+              <a:t>NET</a:t>
+            </a:r>
+            <a:r>
+              <a:rPr lang="ru-RU" sz="1200" dirty="0">
+                <a:effectLst/>
+                <a:latin typeface="Times New Roman" panose="02020603050405020304" pitchFamily="18" charset="0"/>
+                <a:ea typeface="Calibri" panose="020F0502020204030204" pitchFamily="34" charset="0"/>
+                <a:cs typeface="Times New Roman" panose="02020603050405020304" pitchFamily="18" charset="0"/>
+              </a:rPr>
+              <a:t> – была бага для хакеров. После её исправления стали </a:t>
+            </a:r>
+            <a:r>
+              <a:rPr lang="en-US" sz="1200" dirty="0" err="1">
+                <a:effectLst/>
+                <a:latin typeface="Times New Roman" panose="02020603050405020304" pitchFamily="18" charset="0"/>
+                <a:ea typeface="Calibri" panose="020F0502020204030204" pitchFamily="34" charset="0"/>
+                <a:cs typeface="Times New Roman" panose="02020603050405020304" pitchFamily="18" charset="0"/>
+              </a:rPr>
+              <a:t>bcrypt</a:t>
+            </a:r>
+            <a:r>
+              <a:rPr lang="en-US" sz="1200" dirty="0">
+                <a:effectLst/>
+                <a:latin typeface="Times New Roman" panose="02020603050405020304" pitchFamily="18" charset="0"/>
+                <a:ea typeface="Calibri" panose="020F0502020204030204" pitchFamily="34" charset="0"/>
+                <a:cs typeface="Times New Roman" panose="02020603050405020304" pitchFamily="18" charset="0"/>
+              </a:rPr>
+              <a:t> </a:t>
+            </a:r>
+            <a:r>
+              <a:rPr lang="ru-RU" sz="1200" dirty="0">
+                <a:effectLst/>
+                <a:latin typeface="Times New Roman" panose="02020603050405020304" pitchFamily="18" charset="0"/>
+                <a:ea typeface="Calibri" panose="020F0502020204030204" pitchFamily="34" charset="0"/>
+                <a:cs typeface="Times New Roman" panose="02020603050405020304" pitchFamily="18" charset="0"/>
+              </a:rPr>
+              <a:t>начинать с $2</a:t>
+            </a:r>
+            <a:r>
+              <a:rPr lang="et-EE" sz="1200" dirty="0">
+                <a:effectLst/>
+                <a:latin typeface="Times New Roman" panose="02020603050405020304" pitchFamily="18" charset="0"/>
+                <a:ea typeface="Calibri" panose="020F0502020204030204" pitchFamily="34" charset="0"/>
+                <a:cs typeface="Times New Roman" panose="02020603050405020304" pitchFamily="18" charset="0"/>
+              </a:rPr>
+              <a:t>y</a:t>
+            </a:r>
+            <a:r>
+              <a:rPr lang="ru-RU" sz="1200" dirty="0">
+                <a:effectLst/>
+                <a:latin typeface="Times New Roman" panose="02020603050405020304" pitchFamily="18" charset="0"/>
+                <a:ea typeface="Calibri" panose="020F0502020204030204" pitchFamily="34" charset="0"/>
+                <a:cs typeface="Times New Roman" panose="02020603050405020304" pitchFamily="18" charset="0"/>
+              </a:rPr>
+              <a:t>$</a:t>
+            </a:r>
+          </a:p>
+          <a:p>
+            <a:pPr marL="449580" marR="0" indent="-449580">
+              <a:lnSpc>
+                <a:spcPct val="107000"/>
+              </a:lnSpc>
+              <a:spcBef>
+                <a:spcPts val="0"/>
+              </a:spcBef>
+              <a:spcAft>
+                <a:spcPts val="0"/>
+              </a:spcAft>
+            </a:pPr>
+            <a:r>
+              <a:rPr lang="ru-RU" sz="1200" dirty="0">
+                <a:effectLst/>
+                <a:latin typeface="Times New Roman" panose="02020603050405020304" pitchFamily="18" charset="0"/>
+                <a:ea typeface="Calibri" panose="020F0502020204030204" pitchFamily="34" charset="0"/>
+                <a:cs typeface="Times New Roman" panose="02020603050405020304" pitchFamily="18" charset="0"/>
+              </a:rPr>
+              <a:t>После 2го доллара: сложность алгоритма, чем компы мощнее, тем проще ломать простые алгоритмы,</a:t>
+            </a:r>
+          </a:p>
+          <a:p>
+            <a:pPr marL="449580" marR="0" indent="-449580">
+              <a:lnSpc>
+                <a:spcPct val="107000"/>
+              </a:lnSpc>
+              <a:spcBef>
+                <a:spcPts val="0"/>
+              </a:spcBef>
+              <a:spcAft>
+                <a:spcPts val="0"/>
+              </a:spcAft>
+            </a:pPr>
+            <a:r>
+              <a:rPr lang="ru-RU" sz="1200" dirty="0">
+                <a:effectLst/>
+                <a:latin typeface="Times New Roman" panose="02020603050405020304" pitchFamily="18" charset="0"/>
+                <a:ea typeface="Calibri" panose="020F0502020204030204" pitchFamily="34" charset="0"/>
+                <a:cs typeface="Times New Roman" panose="02020603050405020304" pitchFamily="18" charset="0"/>
+              </a:rPr>
+              <a:t>Это число означает сколько раз полученный код</a:t>
+            </a:r>
+            <a:r>
+              <a:rPr lang="en-US" sz="1200" dirty="0">
+                <a:effectLst/>
+                <a:latin typeface="Times New Roman" panose="02020603050405020304" pitchFamily="18" charset="0"/>
+                <a:ea typeface="Calibri" panose="020F0502020204030204" pitchFamily="34" charset="0"/>
+                <a:cs typeface="Times New Roman" panose="02020603050405020304" pitchFamily="18" charset="0"/>
+              </a:rPr>
+              <a:t>/</a:t>
+            </a:r>
+            <a:r>
+              <a:rPr lang="en-US" sz="1200" dirty="0" err="1">
+                <a:effectLst/>
+                <a:latin typeface="Times New Roman" panose="02020603050405020304" pitchFamily="18" charset="0"/>
+                <a:ea typeface="Calibri" panose="020F0502020204030204" pitchFamily="34" charset="0"/>
+                <a:cs typeface="Times New Roman" panose="02020603050405020304" pitchFamily="18" charset="0"/>
+              </a:rPr>
+              <a:t>räsi</a:t>
+            </a:r>
+            <a:r>
+              <a:rPr lang="ru-RU" sz="1200" dirty="0">
+                <a:effectLst/>
+                <a:latin typeface="Times New Roman" panose="02020603050405020304" pitchFamily="18" charset="0"/>
+                <a:ea typeface="Calibri" panose="020F0502020204030204" pitchFamily="34" charset="0"/>
+                <a:cs typeface="Times New Roman" panose="02020603050405020304" pitchFamily="18" charset="0"/>
+              </a:rPr>
+              <a:t> берут и уже из него получаются опять</a:t>
+            </a:r>
+            <a:r>
+              <a:rPr lang="en-US" sz="1200" dirty="0">
+                <a:effectLst/>
+                <a:latin typeface="Times New Roman" panose="02020603050405020304" pitchFamily="18" charset="0"/>
+                <a:ea typeface="Calibri" panose="020F0502020204030204" pitchFamily="34" charset="0"/>
+                <a:cs typeface="Times New Roman" panose="02020603050405020304" pitchFamily="18" charset="0"/>
+              </a:rPr>
+              <a:t> </a:t>
+            </a:r>
+            <a:r>
+              <a:rPr lang="en-US" sz="1200" dirty="0" err="1">
+                <a:effectLst/>
+                <a:latin typeface="Times New Roman" panose="02020603050405020304" pitchFamily="18" charset="0"/>
+                <a:ea typeface="Calibri" panose="020F0502020204030204" pitchFamily="34" charset="0"/>
+                <a:cs typeface="Times New Roman" panose="02020603050405020304" pitchFamily="18" charset="0"/>
+              </a:rPr>
+              <a:t>räsi</a:t>
+            </a:r>
+            <a:r>
+              <a:rPr lang="ru-RU" sz="1200" dirty="0">
+                <a:effectLst/>
+                <a:latin typeface="Times New Roman" panose="02020603050405020304" pitchFamily="18" charset="0"/>
+                <a:ea typeface="Calibri" panose="020F0502020204030204" pitchFamily="34" charset="0"/>
+                <a:cs typeface="Times New Roman" panose="02020603050405020304" pitchFamily="18" charset="0"/>
+              </a:rPr>
+              <a:t>, 12 значит мы 24 раза берём результат и уже из него получаем опять </a:t>
+            </a:r>
+            <a:r>
+              <a:rPr lang="en-US" sz="1200" dirty="0" err="1">
+                <a:effectLst/>
+                <a:latin typeface="Times New Roman" panose="02020603050405020304" pitchFamily="18" charset="0"/>
+                <a:ea typeface="Calibri" panose="020F0502020204030204" pitchFamily="34" charset="0"/>
+                <a:cs typeface="Times New Roman" panose="02020603050405020304" pitchFamily="18" charset="0"/>
+              </a:rPr>
+              <a:t>räsi</a:t>
+            </a:r>
+            <a:endParaRPr lang="ru-RU" sz="1200" dirty="0">
+              <a:effectLst/>
+              <a:latin typeface="Times New Roman" panose="02020603050405020304" pitchFamily="18" charset="0"/>
+              <a:ea typeface="Calibri" panose="020F0502020204030204" pitchFamily="34" charset="0"/>
+              <a:cs typeface="Times New Roman" panose="02020603050405020304" pitchFamily="18" charset="0"/>
+            </a:endParaRPr>
+          </a:p>
+          <a:p>
+            <a:pPr marL="449580" marR="0" indent="-449580">
+              <a:lnSpc>
+                <a:spcPct val="107000"/>
+              </a:lnSpc>
+              <a:spcBef>
+                <a:spcPts val="0"/>
+              </a:spcBef>
+              <a:spcAft>
+                <a:spcPts val="0"/>
+              </a:spcAft>
+            </a:pPr>
+            <a:r>
+              <a:rPr lang="ru-RU" sz="1200" dirty="0">
+                <a:effectLst/>
+                <a:latin typeface="Times New Roman" panose="02020603050405020304" pitchFamily="18" charset="0"/>
+                <a:ea typeface="Calibri" panose="020F0502020204030204" pitchFamily="34" charset="0"/>
+                <a:cs typeface="Times New Roman" panose="02020603050405020304" pitchFamily="18" charset="0"/>
+              </a:rPr>
+              <a:t> </a:t>
+            </a:r>
+          </a:p>
+          <a:p>
+            <a:pPr marL="449580" marR="0" indent="-449580">
+              <a:lnSpc>
+                <a:spcPct val="107000"/>
+              </a:lnSpc>
+              <a:spcBef>
+                <a:spcPts val="0"/>
+              </a:spcBef>
+              <a:spcAft>
+                <a:spcPts val="0"/>
+              </a:spcAft>
+            </a:pPr>
+            <a:r>
+              <a:rPr lang="ru-RU" sz="1200" dirty="0">
+                <a:effectLst/>
+                <a:latin typeface="Times New Roman" panose="02020603050405020304" pitchFamily="18" charset="0"/>
+                <a:ea typeface="Calibri" panose="020F0502020204030204" pitchFamily="34" charset="0"/>
+                <a:cs typeface="Times New Roman" panose="02020603050405020304" pitchFamily="18" charset="0"/>
+              </a:rPr>
+              <a:t>В консоли</a:t>
+            </a:r>
+            <a:r>
+              <a:rPr lang="en-US" sz="1200" dirty="0">
+                <a:effectLst/>
+                <a:latin typeface="Times New Roman" panose="02020603050405020304" pitchFamily="18" charset="0"/>
+                <a:ea typeface="Calibri" panose="020F0502020204030204" pitchFamily="34" charset="0"/>
+                <a:cs typeface="Times New Roman" panose="02020603050405020304" pitchFamily="18" charset="0"/>
+              </a:rPr>
+              <a:t> </a:t>
+            </a:r>
+            <a:r>
+              <a:rPr lang="ru-RU" sz="1200" dirty="0">
+                <a:effectLst/>
+                <a:latin typeface="Times New Roman" panose="02020603050405020304" pitchFamily="18" charset="0"/>
+                <a:ea typeface="Calibri" panose="020F0502020204030204" pitchFamily="34" charset="0"/>
+                <a:cs typeface="Times New Roman" panose="02020603050405020304" pitchFamily="18" charset="0"/>
+              </a:rPr>
+              <a:t>есть параметр: </a:t>
+            </a:r>
+            <a:r>
+              <a:rPr lang="en-US" sz="1200" dirty="0" err="1">
+                <a:effectLst/>
+                <a:latin typeface="Times New Roman" panose="02020603050405020304" pitchFamily="18" charset="0"/>
+                <a:ea typeface="Calibri" panose="020F0502020204030204" pitchFamily="34" charset="0"/>
+                <a:cs typeface="Times New Roman" panose="02020603050405020304" pitchFamily="18" charset="0"/>
+              </a:rPr>
+              <a:t>httponly</a:t>
+            </a:r>
+            <a:r>
+              <a:rPr lang="ru-RU" sz="1200" dirty="0">
+                <a:effectLst/>
+                <a:latin typeface="Times New Roman" panose="02020603050405020304" pitchFamily="18" charset="0"/>
+                <a:ea typeface="Calibri" panose="020F0502020204030204" pitchFamily="34" charset="0"/>
+                <a:cs typeface="Times New Roman" panose="02020603050405020304" pitchFamily="18" charset="0"/>
+              </a:rPr>
+              <a:t> – это защита от </a:t>
+            </a:r>
+            <a:r>
+              <a:rPr lang="en-US" sz="1200" dirty="0" err="1">
+                <a:effectLst/>
+                <a:latin typeface="Times New Roman" panose="02020603050405020304" pitchFamily="18" charset="0"/>
+                <a:ea typeface="Calibri" panose="020F0502020204030204" pitchFamily="34" charset="0"/>
+                <a:cs typeface="Times New Roman" panose="02020603050405020304" pitchFamily="18" charset="0"/>
+              </a:rPr>
+              <a:t>javascripta</a:t>
+            </a:r>
+            <a:endParaRPr lang="ru-RU" sz="1200" dirty="0">
+              <a:effectLst/>
+              <a:latin typeface="Times New Roman" panose="02020603050405020304" pitchFamily="18" charset="0"/>
+              <a:ea typeface="Calibri" panose="020F0502020204030204" pitchFamily="34" charset="0"/>
+              <a:cs typeface="Times New Roman" panose="02020603050405020304" pitchFamily="18" charset="0"/>
+            </a:endParaRPr>
+          </a:p>
+          <a:p>
+            <a:endParaRPr lang="ru-RU" sz="1200" dirty="0">
+              <a:effectLst/>
+              <a:latin typeface="Times New Roman" panose="02020603050405020304" pitchFamily="18" charset="0"/>
+              <a:ea typeface="Calibri" panose="020F0502020204030204" pitchFamily="34" charset="0"/>
+              <a:cs typeface="Times New Roman" panose="02020603050405020304" pitchFamily="18" charset="0"/>
+            </a:endParaRPr>
+          </a:p>
+          <a:p>
+            <a:endParaRPr lang="ru-RU" sz="1200" dirty="0">
+              <a:latin typeface="Times New Roman" panose="02020603050405020304" pitchFamily="18" charset="0"/>
+              <a:cs typeface="Times New Roman" panose="02020603050405020304" pitchFamily="18" charset="0"/>
+            </a:endParaRPr>
+          </a:p>
+          <a:p>
+            <a:endParaRPr lang="ru-RU" sz="1200" dirty="0">
+              <a:latin typeface="Times New Roman" panose="02020603050405020304" pitchFamily="18" charset="0"/>
+              <a:cs typeface="Times New Roman" panose="02020603050405020304" pitchFamily="18" charset="0"/>
+            </a:endParaRPr>
+          </a:p>
+        </p:txBody>
+      </p:sp>
     </p:spTree>
     <p:extLst>
       <p:ext uri="{BB962C8B-B14F-4D97-AF65-F5344CB8AC3E}">
@@ -4371,7 +5294,7 @@
         </p:nvSpPr>
         <p:spPr>
           <a:xfrm>
-            <a:off x="450376" y="1052736"/>
+            <a:off x="31130" y="21293"/>
             <a:ext cx="8229600" cy="757982"/>
           </a:xfrm>
         </p:spPr>
@@ -4415,8 +5338,8 @@
         </p:nvSpPr>
         <p:spPr>
           <a:xfrm>
-            <a:off x="421861" y="2348880"/>
-            <a:ext cx="8236424" cy="3993307"/>
+            <a:off x="107504" y="692696"/>
+            <a:ext cx="8928992" cy="6144011"/>
           </a:xfrm>
         </p:spPr>
         <p:txBody>
@@ -4429,29 +5352,43 @@
               <a:buNone/>
             </a:pPr>
             <a:r>
-              <a:rPr lang="et-EE" sz="2000" dirty="0"/>
+              <a:rPr lang="et-EE" sz="1050" dirty="0">
+                <a:latin typeface="Times New Roman" panose="02020603050405020304" pitchFamily="18" charset="0"/>
+                <a:cs typeface="Times New Roman" panose="02020603050405020304" pitchFamily="18" charset="0"/>
+              </a:rPr>
               <a:t>SHA1: </a:t>
             </a:r>
             <a:r>
-              <a:rPr lang="en-US" sz="2000" dirty="0">
+              <a:rPr lang="en-US" sz="1050" dirty="0">
+                <a:latin typeface="Times New Roman" panose="02020603050405020304" pitchFamily="18" charset="0"/>
+                <a:cs typeface="Times New Roman" panose="02020603050405020304" pitchFamily="18" charset="0"/>
                 <a:hlinkClick r:id="rId2"/>
               </a:rPr>
               <a:t>https://passwordsgenerator.net/sha1-hash-generator/</a:t>
             </a:r>
-            <a:endParaRPr lang="et-EE" sz="2000" dirty="0"/>
+            <a:endParaRPr lang="et-EE" sz="1050" dirty="0">
+              <a:latin typeface="Times New Roman" panose="02020603050405020304" pitchFamily="18" charset="0"/>
+              <a:cs typeface="Times New Roman" panose="02020603050405020304" pitchFamily="18" charset="0"/>
+            </a:endParaRPr>
           </a:p>
           <a:p>
             <a:pPr marL="0" indent="0">
               <a:buNone/>
             </a:pPr>
-            <a:endParaRPr lang="et-EE" dirty="0"/>
+            <a:endParaRPr lang="et-EE" sz="1200" dirty="0">
+              <a:latin typeface="Times New Roman" panose="02020603050405020304" pitchFamily="18" charset="0"/>
+              <a:cs typeface="Times New Roman" panose="02020603050405020304" pitchFamily="18" charset="0"/>
+            </a:endParaRPr>
           </a:p>
           <a:p>
             <a:pPr marL="0" indent="0">
               <a:buNone/>
             </a:pPr>
             <a:r>
-              <a:rPr lang="et-EE" sz="2000" dirty="0"/>
+              <a:rPr lang="et-EE" sz="1050" dirty="0">
+                <a:latin typeface="Times New Roman" panose="02020603050405020304" pitchFamily="18" charset="0"/>
+                <a:cs typeface="Times New Roman" panose="02020603050405020304" pitchFamily="18" charset="0"/>
+              </a:rPr>
               <a:t>sha1(„test“) = A94A8FE5CCB19BA61C4C0873D391E987982FBBD3</a:t>
             </a:r>
           </a:p>
@@ -4460,7 +5397,10 @@
               <a:buNone/>
             </a:pPr>
             <a:r>
-              <a:rPr lang="et-EE" sz="2000" dirty="0"/>
+              <a:rPr lang="et-EE" sz="1050" dirty="0">
+                <a:latin typeface="Times New Roman" panose="02020603050405020304" pitchFamily="18" charset="0"/>
+                <a:cs typeface="Times New Roman" panose="02020603050405020304" pitchFamily="18" charset="0"/>
+              </a:rPr>
               <a:t>sha1(„Test“) = 640AB2BAE07BEDC4C163F679A746F7AB7FB5D1FA</a:t>
             </a:r>
           </a:p>
@@ -4468,75 +5408,727 @@
             <a:pPr marL="0" indent="0">
               <a:buNone/>
             </a:pPr>
-            <a:endParaRPr lang="et-EE" dirty="0"/>
+            <a:endParaRPr lang="et-EE" sz="1200" dirty="0">
+              <a:latin typeface="Times New Roman" panose="02020603050405020304" pitchFamily="18" charset="0"/>
+              <a:cs typeface="Times New Roman" panose="02020603050405020304" pitchFamily="18" charset="0"/>
+            </a:endParaRPr>
           </a:p>
           <a:p>
             <a:pPr marL="0" indent="0">
               <a:buNone/>
             </a:pPr>
             <a:r>
-              <a:rPr lang="et-EE" dirty="0" err="1"/>
+              <a:rPr lang="et-EE" sz="1200" dirty="0" err="1">
+                <a:latin typeface="Times New Roman" panose="02020603050405020304" pitchFamily="18" charset="0"/>
+                <a:cs typeface="Times New Roman" panose="02020603050405020304" pitchFamily="18" charset="0"/>
+              </a:rPr>
               <a:t>Input</a:t>
             </a:r>
             <a:r>
-              <a:rPr lang="et-EE" dirty="0"/>
+              <a:rPr lang="et-EE" sz="1200" dirty="0">
+                <a:latin typeface="Times New Roman" panose="02020603050405020304" pitchFamily="18" charset="0"/>
+                <a:cs typeface="Times New Roman" panose="02020603050405020304" pitchFamily="18" charset="0"/>
+              </a:rPr>
               <a:t>: </a:t>
             </a:r>
             <a:r>
-              <a:rPr lang="et-EE" dirty="0" err="1"/>
+              <a:rPr lang="et-EE" sz="1200" dirty="0" err="1">
+                <a:latin typeface="Times New Roman" panose="02020603050405020304" pitchFamily="18" charset="0"/>
+                <a:cs typeface="Times New Roman" panose="02020603050405020304" pitchFamily="18" charset="0"/>
+              </a:rPr>
               <a:t>arbitary</a:t>
             </a:r>
             <a:r>
-              <a:rPr lang="et-EE" dirty="0"/>
+              <a:rPr lang="et-EE" sz="1200" dirty="0">
+                <a:latin typeface="Times New Roman" panose="02020603050405020304" pitchFamily="18" charset="0"/>
+                <a:cs typeface="Times New Roman" panose="02020603050405020304" pitchFamily="18" charset="0"/>
+              </a:rPr>
               <a:t> </a:t>
             </a:r>
             <a:r>
-              <a:rPr lang="et-EE" dirty="0" err="1"/>
+              <a:rPr lang="et-EE" sz="1200" dirty="0" err="1">
+                <a:latin typeface="Times New Roman" panose="02020603050405020304" pitchFamily="18" charset="0"/>
+                <a:cs typeface="Times New Roman" panose="02020603050405020304" pitchFamily="18" charset="0"/>
+              </a:rPr>
               <a:t>size</a:t>
             </a:r>
-            <a:endParaRPr lang="et-EE" dirty="0"/>
+            <a:endParaRPr lang="et-EE" sz="1200" dirty="0">
+              <a:latin typeface="Times New Roman" panose="02020603050405020304" pitchFamily="18" charset="0"/>
+              <a:cs typeface="Times New Roman" panose="02020603050405020304" pitchFamily="18" charset="0"/>
+            </a:endParaRPr>
           </a:p>
           <a:p>
             <a:pPr marL="0" indent="0">
               <a:buNone/>
             </a:pPr>
             <a:r>
-              <a:rPr lang="et-EE" dirty="0" err="1"/>
+              <a:rPr lang="et-EE" sz="1200" dirty="0" err="1">
+                <a:latin typeface="Times New Roman" panose="02020603050405020304" pitchFamily="18" charset="0"/>
+                <a:cs typeface="Times New Roman" panose="02020603050405020304" pitchFamily="18" charset="0"/>
+              </a:rPr>
               <a:t>Output</a:t>
             </a:r>
             <a:r>
-              <a:rPr lang="et-EE" dirty="0"/>
+              <a:rPr lang="et-EE" sz="1200" dirty="0">
+                <a:latin typeface="Times New Roman" panose="02020603050405020304" pitchFamily="18" charset="0"/>
+                <a:cs typeface="Times New Roman" panose="02020603050405020304" pitchFamily="18" charset="0"/>
+              </a:rPr>
               <a:t>: </a:t>
             </a:r>
             <a:r>
-              <a:rPr lang="et-EE" dirty="0" err="1"/>
+              <a:rPr lang="et-EE" sz="1200" dirty="0" err="1">
+                <a:latin typeface="Times New Roman" panose="02020603050405020304" pitchFamily="18" charset="0"/>
+                <a:cs typeface="Times New Roman" panose="02020603050405020304" pitchFamily="18" charset="0"/>
+              </a:rPr>
               <a:t>fixed</a:t>
             </a:r>
             <a:r>
-              <a:rPr lang="et-EE" dirty="0"/>
+              <a:rPr lang="et-EE" sz="1200" dirty="0">
+                <a:latin typeface="Times New Roman" panose="02020603050405020304" pitchFamily="18" charset="0"/>
+                <a:cs typeface="Times New Roman" panose="02020603050405020304" pitchFamily="18" charset="0"/>
+              </a:rPr>
               <a:t> </a:t>
             </a:r>
             <a:r>
-              <a:rPr lang="et-EE" dirty="0" err="1"/>
+              <a:rPr lang="et-EE" sz="1200" dirty="0" err="1">
+                <a:latin typeface="Times New Roman" panose="02020603050405020304" pitchFamily="18" charset="0"/>
+                <a:cs typeface="Times New Roman" panose="02020603050405020304" pitchFamily="18" charset="0"/>
+              </a:rPr>
               <a:t>size</a:t>
             </a:r>
             <a:r>
-              <a:rPr lang="et-EE" dirty="0"/>
+              <a:rPr lang="et-EE" sz="1200" dirty="0">
+                <a:latin typeface="Times New Roman" panose="02020603050405020304" pitchFamily="18" charset="0"/>
+                <a:cs typeface="Times New Roman" panose="02020603050405020304" pitchFamily="18" charset="0"/>
+              </a:rPr>
               <a:t> „</a:t>
             </a:r>
             <a:r>
-              <a:rPr lang="et-EE" dirty="0" err="1"/>
+              <a:rPr lang="et-EE" sz="1200" dirty="0" err="1">
+                <a:latin typeface="Times New Roman" panose="02020603050405020304" pitchFamily="18" charset="0"/>
+                <a:cs typeface="Times New Roman" panose="02020603050405020304" pitchFamily="18" charset="0"/>
+              </a:rPr>
               <a:t>random</a:t>
             </a:r>
             <a:r>
-              <a:rPr lang="et-EE" dirty="0"/>
+              <a:rPr lang="et-EE" sz="1200" dirty="0">
+                <a:latin typeface="Times New Roman" panose="02020603050405020304" pitchFamily="18" charset="0"/>
+                <a:cs typeface="Times New Roman" panose="02020603050405020304" pitchFamily="18" charset="0"/>
+              </a:rPr>
               <a:t>“ </a:t>
             </a:r>
             <a:r>
-              <a:rPr lang="et-EE" dirty="0" err="1"/>
+              <a:rPr lang="et-EE" sz="1200" dirty="0" err="1">
+                <a:latin typeface="Times New Roman" panose="02020603050405020304" pitchFamily="18" charset="0"/>
+                <a:cs typeface="Times New Roman" panose="02020603050405020304" pitchFamily="18" charset="0"/>
+              </a:rPr>
               <a:t>value</a:t>
             </a:r>
-            <a:endParaRPr lang="et-EE" dirty="0"/>
+            <a:endParaRPr lang="en-US" sz="1200" dirty="0">
+              <a:latin typeface="Times New Roman" panose="02020603050405020304" pitchFamily="18" charset="0"/>
+              <a:cs typeface="Times New Roman" panose="02020603050405020304" pitchFamily="18" charset="0"/>
+            </a:endParaRPr>
+          </a:p>
+          <a:p>
+            <a:pPr marL="0" indent="0">
+              <a:buNone/>
+            </a:pPr>
+            <a:endParaRPr lang="en-US" sz="1200" dirty="0">
+              <a:latin typeface="Times New Roman" panose="02020603050405020304" pitchFamily="18" charset="0"/>
+              <a:cs typeface="Times New Roman" panose="02020603050405020304" pitchFamily="18" charset="0"/>
+            </a:endParaRPr>
+          </a:p>
+          <a:p>
+            <a:pPr marL="0" indent="0">
+              <a:buNone/>
+            </a:pPr>
+            <a:r>
+              <a:rPr lang="en-US" sz="1200" b="0" i="0" dirty="0">
+                <a:solidFill>
+                  <a:srgbClr val="222222"/>
+                </a:solidFill>
+                <a:effectLst/>
+                <a:latin typeface="Times New Roman" panose="02020603050405020304" pitchFamily="18" charset="0"/>
+                <a:cs typeface="Times New Roman" panose="02020603050405020304" pitchFamily="18" charset="0"/>
+              </a:rPr>
+              <a:t>https://habr.com/ru/post/210760/</a:t>
+            </a:r>
+            <a:endParaRPr lang="ru-RU" sz="1200" b="0" i="0" dirty="0">
+              <a:solidFill>
+                <a:srgbClr val="222222"/>
+              </a:solidFill>
+              <a:effectLst/>
+              <a:latin typeface="Times New Roman" panose="02020603050405020304" pitchFamily="18" charset="0"/>
+              <a:cs typeface="Times New Roman" panose="02020603050405020304" pitchFamily="18" charset="0"/>
+            </a:endParaRPr>
+          </a:p>
+          <a:p>
+            <a:pPr marL="0" indent="0">
+              <a:buNone/>
+            </a:pPr>
+            <a:r>
+              <a:rPr lang="ru-RU" sz="1200" b="0" i="0" dirty="0" err="1">
+                <a:solidFill>
+                  <a:srgbClr val="222222"/>
+                </a:solidFill>
+                <a:effectLst/>
+                <a:latin typeface="Times New Roman" panose="02020603050405020304" pitchFamily="18" charset="0"/>
+                <a:cs typeface="Times New Roman" panose="02020603050405020304" pitchFamily="18" charset="0"/>
+              </a:rPr>
+              <a:t>Hash</a:t>
+            </a:r>
+            <a:r>
+              <a:rPr lang="ru-RU" sz="1200" b="0" i="0" dirty="0">
+                <a:solidFill>
+                  <a:srgbClr val="222222"/>
+                </a:solidFill>
+                <a:effectLst/>
+                <a:latin typeface="Times New Roman" panose="02020603050405020304" pitchFamily="18" charset="0"/>
+                <a:cs typeface="Times New Roman" panose="02020603050405020304" pitchFamily="18" charset="0"/>
+              </a:rPr>
+              <a:t> = </a:t>
+            </a:r>
+            <a:r>
+              <a:rPr lang="ru-RU" sz="1200" b="0" i="0" dirty="0" err="1">
+                <a:solidFill>
+                  <a:srgbClr val="222222"/>
+                </a:solidFill>
+                <a:effectLst/>
+                <a:latin typeface="Times New Roman" panose="02020603050405020304" pitchFamily="18" charset="0"/>
+                <a:cs typeface="Times New Roman" panose="02020603050405020304" pitchFamily="18" charset="0"/>
+              </a:rPr>
+              <a:t>хеш</a:t>
+            </a:r>
+            <a:r>
+              <a:rPr lang="ru-RU" sz="1200" b="0" i="0" dirty="0">
+                <a:solidFill>
+                  <a:srgbClr val="222222"/>
+                </a:solidFill>
+                <a:effectLst/>
+                <a:latin typeface="Times New Roman" panose="02020603050405020304" pitchFamily="18" charset="0"/>
+                <a:cs typeface="Times New Roman" panose="02020603050405020304" pitchFamily="18" charset="0"/>
+              </a:rPr>
+              <a:t> функция — (свертка) функция однозначного отображения строки (любой длины) на конечное множество (строку заданной длины).</a:t>
+            </a:r>
+            <a:br>
+              <a:rPr lang="ru-RU" sz="1200" dirty="0">
+                <a:latin typeface="Times New Roman" panose="02020603050405020304" pitchFamily="18" charset="0"/>
+                <a:cs typeface="Times New Roman" panose="02020603050405020304" pitchFamily="18" charset="0"/>
+              </a:rPr>
+            </a:br>
+            <a:r>
+              <a:rPr lang="ru-RU" sz="1200" b="0" i="0" dirty="0">
+                <a:solidFill>
+                  <a:srgbClr val="222222"/>
+                </a:solidFill>
+                <a:effectLst/>
+                <a:latin typeface="Times New Roman" panose="02020603050405020304" pitchFamily="18" charset="0"/>
+                <a:cs typeface="Times New Roman" panose="02020603050405020304" pitchFamily="18" charset="0"/>
+              </a:rPr>
+              <a:t>Само число (строка) </a:t>
+            </a:r>
+            <a:r>
+              <a:rPr lang="ru-RU" sz="1200" b="0" i="0" dirty="0" err="1">
+                <a:solidFill>
+                  <a:srgbClr val="222222"/>
+                </a:solidFill>
+                <a:effectLst/>
+                <a:latin typeface="Times New Roman" panose="02020603050405020304" pitchFamily="18" charset="0"/>
+                <a:cs typeface="Times New Roman" panose="02020603050405020304" pitchFamily="18" charset="0"/>
+              </a:rPr>
+              <a:t>хеш</a:t>
+            </a:r>
+            <a:r>
+              <a:rPr lang="ru-RU" sz="1200" b="0" i="0" dirty="0">
+                <a:solidFill>
+                  <a:srgbClr val="222222"/>
+                </a:solidFill>
+                <a:effectLst/>
+                <a:latin typeface="Times New Roman" panose="02020603050405020304" pitchFamily="18" charset="0"/>
+                <a:cs typeface="Times New Roman" panose="02020603050405020304" pitchFamily="18" charset="0"/>
+              </a:rPr>
+              <a:t> — результат вычисления хеш-функции над данными.</a:t>
+            </a:r>
+            <a:endParaRPr lang="en-US" sz="1200" b="0" i="0" dirty="0">
+              <a:solidFill>
+                <a:srgbClr val="222222"/>
+              </a:solidFill>
+              <a:effectLst/>
+              <a:latin typeface="Times New Roman" panose="02020603050405020304" pitchFamily="18" charset="0"/>
+              <a:cs typeface="Times New Roman" panose="02020603050405020304" pitchFamily="18" charset="0"/>
+            </a:endParaRPr>
+          </a:p>
+          <a:p>
+            <a:pPr marL="0" indent="0">
+              <a:buNone/>
+            </a:pPr>
+            <a:r>
+              <a:rPr lang="ru-RU" sz="1200" b="0" i="0" dirty="0">
+                <a:solidFill>
+                  <a:srgbClr val="222222"/>
+                </a:solidFill>
+                <a:effectLst/>
+                <a:latin typeface="Times New Roman" panose="02020603050405020304" pitchFamily="18" charset="0"/>
+                <a:cs typeface="Times New Roman" panose="02020603050405020304" pitchFamily="18" charset="0"/>
+              </a:rPr>
+              <a:t>Для криптографических хэшей есть три дополнительных условия, которые отличают их от всех остальных:</a:t>
+            </a:r>
+            <a:endParaRPr lang="en-US" sz="1200" b="0" i="0" dirty="0">
+              <a:solidFill>
+                <a:srgbClr val="222222"/>
+              </a:solidFill>
+              <a:effectLst/>
+              <a:latin typeface="Times New Roman" panose="02020603050405020304" pitchFamily="18" charset="0"/>
+              <a:cs typeface="Times New Roman" panose="02020603050405020304" pitchFamily="18" charset="0"/>
+            </a:endParaRPr>
+          </a:p>
+          <a:p>
+            <a:r>
+              <a:rPr lang="ru-RU" sz="1200" b="0" i="0" dirty="0">
+                <a:solidFill>
+                  <a:srgbClr val="222222"/>
+                </a:solidFill>
+                <a:effectLst/>
+                <a:latin typeface="Times New Roman" panose="02020603050405020304" pitchFamily="18" charset="0"/>
+                <a:cs typeface="Times New Roman" panose="02020603050405020304" pitchFamily="18" charset="0"/>
+              </a:rPr>
+              <a:t>Необратимость: для заданного значения хеш-функции m должно быть вычислительно неосуществимо найти блок данных X, для которого H(X)=m.</a:t>
+            </a:r>
+          </a:p>
+          <a:p>
+            <a:pPr algn="l">
+              <a:buFont typeface="Arial" panose="020B0604020202020204" pitchFamily="34" charset="0"/>
+              <a:buChar char="•"/>
+            </a:pPr>
+            <a:r>
+              <a:rPr lang="ru-RU" sz="1200" b="0" i="0" dirty="0">
+                <a:solidFill>
+                  <a:srgbClr val="222222"/>
+                </a:solidFill>
+                <a:effectLst/>
+                <a:latin typeface="Times New Roman" panose="02020603050405020304" pitchFamily="18" charset="0"/>
+                <a:cs typeface="Times New Roman" panose="02020603050405020304" pitchFamily="18" charset="0"/>
+              </a:rPr>
+              <a:t>Стойкость к коллизиям первого рода: для заданного сообщения M должно быть вычислительно неосуществимо подобрать другое сообщение N, для которого H(N)=H(M).</a:t>
+            </a:r>
+          </a:p>
+          <a:p>
+            <a:pPr algn="l">
+              <a:buFont typeface="Arial" panose="020B0604020202020204" pitchFamily="34" charset="0"/>
+              <a:buChar char="•"/>
+            </a:pPr>
+            <a:r>
+              <a:rPr lang="ru-RU" sz="1200" b="0" i="0" dirty="0">
+                <a:solidFill>
+                  <a:srgbClr val="222222"/>
+                </a:solidFill>
+                <a:effectLst/>
+                <a:latin typeface="Times New Roman" panose="02020603050405020304" pitchFamily="18" charset="0"/>
+                <a:cs typeface="Times New Roman" panose="02020603050405020304" pitchFamily="18" charset="0"/>
+              </a:rPr>
+              <a:t>Стойкость к коллизиям второго рода: должно быть вычислительно неосуществимо подобрать пару сообщений ~(M, M'), имеющих одинаковый </a:t>
+            </a:r>
+            <a:r>
+              <a:rPr lang="ru-RU" sz="1200" b="0" i="0" dirty="0" err="1">
+                <a:solidFill>
+                  <a:srgbClr val="222222"/>
+                </a:solidFill>
+                <a:effectLst/>
+                <a:latin typeface="Times New Roman" panose="02020603050405020304" pitchFamily="18" charset="0"/>
+                <a:cs typeface="Times New Roman" panose="02020603050405020304" pitchFamily="18" charset="0"/>
+              </a:rPr>
+              <a:t>хеш</a:t>
+            </a:r>
+            <a:endParaRPr lang="en-US" sz="1200" b="0" i="0" dirty="0">
+              <a:solidFill>
+                <a:srgbClr val="222222"/>
+              </a:solidFill>
+              <a:effectLst/>
+              <a:latin typeface="Times New Roman" panose="02020603050405020304" pitchFamily="18" charset="0"/>
+              <a:cs typeface="Times New Roman" panose="02020603050405020304" pitchFamily="18" charset="0"/>
+            </a:endParaRPr>
+          </a:p>
+          <a:p>
+            <a:pPr marL="0" indent="0" algn="l">
+              <a:buNone/>
+            </a:pPr>
+            <a:r>
+              <a:rPr lang="ru-RU" sz="1050" b="0" i="0" dirty="0">
+                <a:solidFill>
+                  <a:srgbClr val="222222"/>
+                </a:solidFill>
+                <a:effectLst/>
+                <a:latin typeface="Times New Roman" panose="02020603050405020304" pitchFamily="18" charset="0"/>
+                <a:cs typeface="Times New Roman" panose="02020603050405020304" pitchFamily="18" charset="0"/>
+              </a:rPr>
+              <a:t>В веб-приложениях, в числе прочего, хеш-функции используются для безопасного хранения секретов (паролей) в базе данных.</a:t>
+            </a:r>
+            <a:endParaRPr lang="en-US" sz="1050" b="0" i="0" dirty="0">
+              <a:solidFill>
+                <a:srgbClr val="222222"/>
+              </a:solidFill>
+              <a:effectLst/>
+              <a:latin typeface="Times New Roman" panose="02020603050405020304" pitchFamily="18" charset="0"/>
+              <a:cs typeface="Times New Roman" panose="02020603050405020304" pitchFamily="18" charset="0"/>
+            </a:endParaRPr>
+          </a:p>
+          <a:p>
+            <a:pPr marL="0" indent="0" algn="l">
+              <a:buNone/>
+            </a:pPr>
+            <a:r>
+              <a:rPr lang="ru-RU" sz="1050" b="0" i="0" dirty="0">
+                <a:solidFill>
+                  <a:srgbClr val="222222"/>
+                </a:solidFill>
+                <a:effectLst/>
+                <a:latin typeface="Times New Roman" panose="02020603050405020304" pitchFamily="18" charset="0"/>
+                <a:cs typeface="Times New Roman" panose="02020603050405020304" pitchFamily="18" charset="0"/>
+              </a:rPr>
+              <a:t>Ниже перечислены требования, которым ваш </a:t>
+            </a:r>
+            <a:r>
+              <a:rPr lang="ru-RU" sz="1050" b="0" i="0" dirty="0" err="1">
+                <a:solidFill>
+                  <a:srgbClr val="222222"/>
+                </a:solidFill>
+                <a:effectLst/>
+                <a:latin typeface="Times New Roman" panose="02020603050405020304" pitchFamily="18" charset="0"/>
+                <a:cs typeface="Times New Roman" panose="02020603050405020304" pitchFamily="18" charset="0"/>
+              </a:rPr>
+              <a:t>хеш</a:t>
+            </a:r>
+            <a:r>
+              <a:rPr lang="ru-RU" sz="1050" b="0" i="0" dirty="0">
+                <a:solidFill>
+                  <a:srgbClr val="222222"/>
+                </a:solidFill>
+                <a:effectLst/>
+                <a:latin typeface="Times New Roman" panose="02020603050405020304" pitchFamily="18" charset="0"/>
+                <a:cs typeface="Times New Roman" panose="02020603050405020304" pitchFamily="18" charset="0"/>
+              </a:rPr>
+              <a:t> в базе должен удовлетворять:</a:t>
+            </a:r>
+            <a:endParaRPr lang="en-US" sz="1050" b="0" i="0" dirty="0">
+              <a:solidFill>
+                <a:srgbClr val="222222"/>
+              </a:solidFill>
+              <a:effectLst/>
+              <a:latin typeface="Times New Roman" panose="02020603050405020304" pitchFamily="18" charset="0"/>
+              <a:cs typeface="Times New Roman" panose="02020603050405020304" pitchFamily="18" charset="0"/>
+            </a:endParaRPr>
+          </a:p>
+          <a:p>
+            <a:r>
+              <a:rPr lang="ru-RU" sz="1050" b="0" i="0" dirty="0">
+                <a:solidFill>
+                  <a:srgbClr val="222222"/>
+                </a:solidFill>
+                <a:effectLst/>
+                <a:latin typeface="Times New Roman" panose="02020603050405020304" pitchFamily="18" charset="0"/>
+                <a:cs typeface="Times New Roman" panose="02020603050405020304" pitchFamily="18" charset="0"/>
+              </a:rPr>
+              <a:t>стойкость к атакам перебора (прямой перебор и перебор по словарю)</a:t>
+            </a:r>
+            <a:r>
+              <a:rPr lang="en-US" sz="1050" b="0" i="0" dirty="0">
+                <a:solidFill>
+                  <a:srgbClr val="222222"/>
+                </a:solidFill>
+                <a:effectLst/>
+                <a:latin typeface="Times New Roman" panose="02020603050405020304" pitchFamily="18" charset="0"/>
+                <a:cs typeface="Times New Roman" panose="02020603050405020304" pitchFamily="18" charset="0"/>
+              </a:rPr>
+              <a:t> (</a:t>
+            </a:r>
+            <a:r>
+              <a:rPr lang="ru-RU" sz="1050" b="0" i="0" dirty="0">
+                <a:solidFill>
+                  <a:srgbClr val="222222"/>
+                </a:solidFill>
+                <a:effectLst/>
+                <a:latin typeface="Times New Roman" panose="02020603050405020304" pitchFamily="18" charset="0"/>
+                <a:cs typeface="Times New Roman" panose="02020603050405020304" pitchFamily="18" charset="0"/>
+              </a:rPr>
+              <a:t>использовать стойкие хеш-функции)</a:t>
+            </a:r>
+          </a:p>
+          <a:p>
+            <a:pPr algn="l">
+              <a:buFont typeface="Arial" panose="020B0604020202020204" pitchFamily="34" charset="0"/>
+              <a:buChar char="•"/>
+            </a:pPr>
+            <a:r>
+              <a:rPr lang="ru-RU" sz="1050" b="0" i="0" dirty="0">
+                <a:solidFill>
+                  <a:srgbClr val="222222"/>
+                </a:solidFill>
+                <a:effectLst/>
+                <a:latin typeface="Times New Roman" panose="02020603050405020304" pitchFamily="18" charset="0"/>
+                <a:cs typeface="Times New Roman" panose="02020603050405020304" pitchFamily="18" charset="0"/>
+              </a:rPr>
+              <a:t>невозможность поиска одинаковых паролей разных пользователей по </a:t>
+            </a:r>
+            <a:r>
+              <a:rPr lang="ru-RU" sz="1050" b="0" i="0" dirty="0" err="1">
+                <a:solidFill>
+                  <a:srgbClr val="222222"/>
+                </a:solidFill>
+                <a:effectLst/>
+                <a:latin typeface="Times New Roman" panose="02020603050405020304" pitchFamily="18" charset="0"/>
+                <a:cs typeface="Times New Roman" panose="02020603050405020304" pitchFamily="18" charset="0"/>
+              </a:rPr>
+              <a:t>хешам</a:t>
+            </a:r>
+            <a:r>
+              <a:rPr lang="ru-RU" sz="1050" b="0" i="0" dirty="0">
+                <a:solidFill>
+                  <a:srgbClr val="222222"/>
+                </a:solidFill>
+                <a:effectLst/>
+                <a:latin typeface="Times New Roman" panose="02020603050405020304" pitchFamily="18" charset="0"/>
+                <a:cs typeface="Times New Roman" panose="02020603050405020304" pitchFamily="18" charset="0"/>
+              </a:rPr>
+              <a:t> (к паролю перед хешированием добавляется случайная строка (соль). Таким образом, у двух пользователей с паролем «123456» будут разные соли «соль1» и «соль2», а соответственно и хеш-функции от «123456соль1» и «123456соль2» в базе тоже будут разные)</a:t>
+            </a:r>
+          </a:p>
+          <a:p>
+            <a:pPr marL="0" indent="0" algn="l">
+              <a:buNone/>
+            </a:pPr>
+            <a:r>
+              <a:rPr lang="ru-RU" sz="1050" b="0" i="0" dirty="0">
+                <a:solidFill>
+                  <a:srgbClr val="222222"/>
+                </a:solidFill>
+                <a:effectLst/>
+                <a:latin typeface="Times New Roman" panose="02020603050405020304" pitchFamily="18" charset="0"/>
+                <a:cs typeface="Times New Roman" panose="02020603050405020304" pitchFamily="18" charset="0"/>
+              </a:rPr>
+              <a:t>и соль и сам </a:t>
+            </a:r>
+            <a:r>
+              <a:rPr lang="ru-RU" sz="1050" b="0" i="0" dirty="0" err="1">
+                <a:solidFill>
+                  <a:srgbClr val="222222"/>
+                </a:solidFill>
+                <a:effectLst/>
+                <a:latin typeface="Times New Roman" panose="02020603050405020304" pitchFamily="18" charset="0"/>
+                <a:cs typeface="Times New Roman" panose="02020603050405020304" pitchFamily="18" charset="0"/>
+              </a:rPr>
+              <a:t>хеш</a:t>
+            </a:r>
+            <a:r>
+              <a:rPr lang="ru-RU" sz="1050" b="0" i="0" dirty="0">
+                <a:solidFill>
+                  <a:srgbClr val="222222"/>
+                </a:solidFill>
+                <a:effectLst/>
+                <a:latin typeface="Times New Roman" panose="02020603050405020304" pitchFamily="18" charset="0"/>
+                <a:cs typeface="Times New Roman" panose="02020603050405020304" pitchFamily="18" charset="0"/>
+              </a:rPr>
+              <a:t> хранятся в базе данных. То есть получив доступ к СУБД, злоумышленник получает и значения </a:t>
+            </a:r>
+            <a:r>
+              <a:rPr lang="ru-RU" sz="1050" b="0" i="0" dirty="0" err="1">
+                <a:solidFill>
+                  <a:srgbClr val="222222"/>
+                </a:solidFill>
+                <a:effectLst/>
+                <a:latin typeface="Times New Roman" panose="02020603050405020304" pitchFamily="18" charset="0"/>
+                <a:cs typeface="Times New Roman" panose="02020603050405020304" pitchFamily="18" charset="0"/>
+              </a:rPr>
+              <a:t>хешей</a:t>
+            </a:r>
+            <a:r>
+              <a:rPr lang="ru-RU" sz="1050" b="0" i="0" dirty="0">
+                <a:solidFill>
+                  <a:srgbClr val="222222"/>
+                </a:solidFill>
+                <a:effectLst/>
+                <a:latin typeface="Times New Roman" panose="02020603050405020304" pitchFamily="18" charset="0"/>
+                <a:cs typeface="Times New Roman" panose="02020603050405020304" pitchFamily="18" charset="0"/>
+              </a:rPr>
+              <a:t> и соли</a:t>
+            </a:r>
+          </a:p>
+          <a:p>
+            <a:pPr marL="0" indent="0" algn="l">
+              <a:buNone/>
+            </a:pPr>
+            <a:r>
+              <a:rPr lang="ru-RU" sz="1050" b="0" i="0" dirty="0">
+                <a:solidFill>
+                  <a:srgbClr val="222222"/>
+                </a:solidFill>
+                <a:effectLst/>
+                <a:latin typeface="Times New Roman" panose="02020603050405020304" pitchFamily="18" charset="0"/>
+                <a:cs typeface="Times New Roman" panose="02020603050405020304" pitchFamily="18" charset="0"/>
+              </a:rPr>
+              <a:t>Чтобы усложнить жизнь при атаке перебора следует дописать соль к паролю, а не наоборот</a:t>
+            </a:r>
+            <a:r>
+              <a:rPr lang="ru-RU" sz="1050" dirty="0">
+                <a:solidFill>
+                  <a:srgbClr val="222222"/>
+                </a:solidFill>
+                <a:latin typeface="Times New Roman" panose="02020603050405020304" pitchFamily="18" charset="0"/>
+                <a:cs typeface="Times New Roman" panose="02020603050405020304" pitchFamily="18" charset="0"/>
+              </a:rPr>
+              <a:t> (сложнее угадать перебором)</a:t>
+            </a:r>
+            <a:endParaRPr lang="ru-RU" sz="1050" b="0" i="0" dirty="0">
+              <a:solidFill>
+                <a:srgbClr val="222222"/>
+              </a:solidFill>
+              <a:effectLst/>
+              <a:latin typeface="Times New Roman" panose="02020603050405020304" pitchFamily="18" charset="0"/>
+              <a:cs typeface="Times New Roman" panose="02020603050405020304" pitchFamily="18" charset="0"/>
+            </a:endParaRPr>
+          </a:p>
+          <a:p>
+            <a:pPr marL="0" indent="0" algn="l">
+              <a:buNone/>
+            </a:pPr>
+            <a:r>
+              <a:rPr lang="ru-RU" sz="1050" b="0" i="0" dirty="0">
+                <a:solidFill>
+                  <a:srgbClr val="222222"/>
+                </a:solidFill>
+                <a:effectLst/>
+                <a:latin typeface="Times New Roman" panose="02020603050405020304" pitchFamily="18" charset="0"/>
+                <a:cs typeface="Times New Roman" panose="02020603050405020304" pitchFamily="18" charset="0"/>
+              </a:rPr>
+              <a:t>Для того чтобы еще усложнить жизнь атакующему, </a:t>
+            </a:r>
+            <a:r>
+              <a:rPr lang="ru-RU" sz="1050" b="0" i="0" dirty="0" err="1">
+                <a:solidFill>
+                  <a:srgbClr val="222222"/>
+                </a:solidFill>
+                <a:effectLst/>
+                <a:latin typeface="Times New Roman" panose="02020603050405020304" pitchFamily="18" charset="0"/>
+                <a:cs typeface="Times New Roman" panose="02020603050405020304" pitchFamily="18" charset="0"/>
+              </a:rPr>
+              <a:t>Solar</a:t>
+            </a:r>
+            <a:r>
+              <a:rPr lang="ru-RU" sz="1050" b="0" i="0" dirty="0">
+                <a:solidFill>
+                  <a:srgbClr val="222222"/>
+                </a:solidFill>
+                <a:effectLst/>
+                <a:latin typeface="Times New Roman" panose="02020603050405020304" pitchFamily="18" charset="0"/>
+                <a:cs typeface="Times New Roman" panose="02020603050405020304" pitchFamily="18" charset="0"/>
+              </a:rPr>
+              <a:t> </a:t>
+            </a:r>
+            <a:r>
+              <a:rPr lang="ru-RU" sz="1050" b="0" i="0" dirty="0" err="1">
+                <a:solidFill>
+                  <a:srgbClr val="222222"/>
+                </a:solidFill>
+                <a:effectLst/>
+                <a:latin typeface="Times New Roman" panose="02020603050405020304" pitchFamily="18" charset="0"/>
+                <a:cs typeface="Times New Roman" panose="02020603050405020304" pitchFamily="18" charset="0"/>
+              </a:rPr>
+              <a:t>Designer</a:t>
+            </a:r>
+            <a:r>
+              <a:rPr lang="ru-RU" sz="1050" b="0" i="0" dirty="0">
+                <a:solidFill>
+                  <a:srgbClr val="222222"/>
+                </a:solidFill>
+                <a:effectLst/>
+                <a:latin typeface="Times New Roman" panose="02020603050405020304" pitchFamily="18" charset="0"/>
+                <a:cs typeface="Times New Roman" panose="02020603050405020304" pitchFamily="18" charset="0"/>
+              </a:rPr>
+              <a:t> </a:t>
+            </a:r>
+            <a:r>
+              <a:rPr lang="ru-RU" sz="1050" b="0" i="0" u="none" strike="noStrike" dirty="0">
+                <a:solidFill>
+                  <a:srgbClr val="992298"/>
+                </a:solidFill>
+                <a:effectLst/>
+                <a:latin typeface="Times New Roman" panose="02020603050405020304" pitchFamily="18" charset="0"/>
+                <a:cs typeface="Times New Roman" panose="02020603050405020304" pitchFamily="18" charset="0"/>
+                <a:hlinkClick r:id="rId3"/>
+              </a:rPr>
+              <a:t>www.openwall.com/presentations/YaC2012-Password-Hashing-At-Scale/mgp00005.html</a:t>
+            </a:r>
+            <a:r>
+              <a:rPr lang="ru-RU" sz="1050" b="0" i="0" dirty="0">
+                <a:solidFill>
+                  <a:srgbClr val="222222"/>
+                </a:solidFill>
+                <a:effectLst/>
+                <a:latin typeface="Times New Roman" panose="02020603050405020304" pitchFamily="18" charset="0"/>
+                <a:cs typeface="Times New Roman" panose="02020603050405020304" pitchFamily="18" charset="0"/>
+              </a:rPr>
+              <a:t> предлагает ввести еще одну штуку, под названием локальный параметр. Это по сути «вторая соль» дописывается ко всем (</a:t>
+            </a:r>
+            <a:r>
+              <a:rPr lang="ru-RU" sz="1050" b="0" i="0" dirty="0" err="1">
+                <a:solidFill>
+                  <a:srgbClr val="222222"/>
+                </a:solidFill>
+                <a:effectLst/>
+                <a:latin typeface="Times New Roman" panose="02020603050405020304" pitchFamily="18" charset="0"/>
+                <a:cs typeface="Times New Roman" panose="02020603050405020304" pitchFamily="18" charset="0"/>
+              </a:rPr>
+              <a:t>паролям+соль</a:t>
+            </a:r>
+            <a:r>
+              <a:rPr lang="ru-RU" sz="1050" b="0" i="0" dirty="0">
+                <a:solidFill>
+                  <a:srgbClr val="222222"/>
+                </a:solidFill>
+                <a:effectLst/>
+                <a:latin typeface="Times New Roman" panose="02020603050405020304" pitchFamily="18" charset="0"/>
+                <a:cs typeface="Times New Roman" panose="02020603050405020304" pitchFamily="18" charset="0"/>
+              </a:rPr>
+              <a:t>) конструкциям, и является одинаковой для всех </a:t>
+            </a:r>
+            <a:r>
+              <a:rPr lang="ru-RU" sz="1050" b="0" i="0" dirty="0" err="1">
+                <a:solidFill>
+                  <a:srgbClr val="222222"/>
+                </a:solidFill>
+                <a:effectLst/>
+                <a:latin typeface="Times New Roman" panose="02020603050405020304" pitchFamily="18" charset="0"/>
+                <a:cs typeface="Times New Roman" panose="02020603050405020304" pitchFamily="18" charset="0"/>
+              </a:rPr>
+              <a:t>хешей</a:t>
+            </a:r>
+            <a:r>
+              <a:rPr lang="ru-RU" sz="1050" b="0" i="0" dirty="0">
+                <a:solidFill>
+                  <a:srgbClr val="222222"/>
+                </a:solidFill>
+                <a:effectLst/>
+                <a:latin typeface="Times New Roman" panose="02020603050405020304" pitchFamily="18" charset="0"/>
+                <a:cs typeface="Times New Roman" panose="02020603050405020304" pitchFamily="18" charset="0"/>
+              </a:rPr>
+              <a:t> в базе. В чем же трюк? В том, что локального параметра в базе нет. Это константа системы, которая хранится в памяти приложения, куда она попадает из конфига (любым способом, только не из базы).</a:t>
+            </a:r>
+            <a:endParaRPr lang="ru-RU" sz="1200" b="0" i="0" dirty="0">
+              <a:solidFill>
+                <a:srgbClr val="222222"/>
+              </a:solidFill>
+              <a:effectLst/>
+              <a:latin typeface="Times New Roman" panose="02020603050405020304" pitchFamily="18" charset="0"/>
+              <a:cs typeface="Times New Roman" panose="02020603050405020304" pitchFamily="18" charset="0"/>
+            </a:endParaRPr>
+          </a:p>
+          <a:p>
+            <a:pPr marL="0" indent="0">
+              <a:buNone/>
+            </a:pPr>
+            <a:endParaRPr lang="et-EE" sz="1200" dirty="0">
+              <a:latin typeface="Times New Roman" panose="02020603050405020304" pitchFamily="18" charset="0"/>
+              <a:cs typeface="Times New Roman" panose="02020603050405020304" pitchFamily="18" charset="0"/>
+            </a:endParaRPr>
           </a:p>
         </p:txBody>
       </p:sp>
@@ -4603,6 +6195,14 @@
             <a:r>
               <a:rPr lang="et-EE" dirty="0" err="1"/>
               <a:t>salting</a:t>
+            </a:r>
+            <a:r>
+              <a:rPr lang="en-US" dirty="0"/>
+              <a:t>/</a:t>
+            </a:r>
+            <a:r>
+              <a:rPr lang="en-US" dirty="0" err="1"/>
+              <a:t>räsi</a:t>
             </a:r>
             <a:endParaRPr lang="en-US" dirty="0"/>
           </a:p>
